--- a/doc/AICC-CHAT_FLOW(주요구성).pptx
+++ b/doc/AICC-CHAT_FLOW(주요구성).pptx
@@ -6,12 +6,13 @@
   </p:sldMasterIdLst>
   <p:sldIdLst>
     <p:sldId id="259" r:id="rId2"/>
-    <p:sldId id="256" r:id="rId3"/>
+    <p:sldId id="264" r:id="rId3"/>
     <p:sldId id="257" r:id="rId4"/>
     <p:sldId id="258" r:id="rId5"/>
     <p:sldId id="260" r:id="rId6"/>
-    <p:sldId id="261" r:id="rId7"/>
-    <p:sldId id="262" r:id="rId8"/>
+    <p:sldId id="265" r:id="rId7"/>
+    <p:sldId id="261" r:id="rId8"/>
+    <p:sldId id="262" r:id="rId9"/>
   </p:sldIdLst>
   <p:sldSz cx="12192000" cy="6858000"/>
   <p:notesSz cx="6858000" cy="9144000"/>
@@ -116,10 +117,11 @@
         <p14:section name="기본 구역" id="{51DC4481-1774-47CC-9CF2-D4F00A46F26E}">
           <p14:sldIdLst>
             <p14:sldId id="259"/>
-            <p14:sldId id="256"/>
+            <p14:sldId id="264"/>
             <p14:sldId id="257"/>
             <p14:sldId id="258"/>
             <p14:sldId id="260"/>
+            <p14:sldId id="265"/>
           </p14:sldIdLst>
         </p14:section>
         <p14:section name="고객화면" id="{484CB7F6-3EBA-48FC-9CC3-BEF38C2BABD7}">
@@ -288,7 +290,7 @@
           <a:p>
             <a:fld id="{DF2A63DD-D2EB-4C3F-966A-60A2BDD38F7F}" type="datetimeFigureOut">
               <a:rPr lang="ko-KR" altLang="en-US" smtClean="0"/>
-              <a:t>2026-01-26</a:t>
+              <a:t>2026-01-27</a:t>
             </a:fld>
             <a:endParaRPr lang="ko-KR" altLang="en-US"/>
           </a:p>
@@ -486,7 +488,7 @@
           <a:p>
             <a:fld id="{DF2A63DD-D2EB-4C3F-966A-60A2BDD38F7F}" type="datetimeFigureOut">
               <a:rPr lang="ko-KR" altLang="en-US" smtClean="0"/>
-              <a:t>2026-01-26</a:t>
+              <a:t>2026-01-27</a:t>
             </a:fld>
             <a:endParaRPr lang="ko-KR" altLang="en-US"/>
           </a:p>
@@ -694,7 +696,7 @@
           <a:p>
             <a:fld id="{DF2A63DD-D2EB-4C3F-966A-60A2BDD38F7F}" type="datetimeFigureOut">
               <a:rPr lang="ko-KR" altLang="en-US" smtClean="0"/>
-              <a:t>2026-01-26</a:t>
+              <a:t>2026-01-27</a:t>
             </a:fld>
             <a:endParaRPr lang="ko-KR" altLang="en-US"/>
           </a:p>
@@ -892,7 +894,7 @@
           <a:p>
             <a:fld id="{DF2A63DD-D2EB-4C3F-966A-60A2BDD38F7F}" type="datetimeFigureOut">
               <a:rPr lang="ko-KR" altLang="en-US" smtClean="0"/>
-              <a:t>2026-01-26</a:t>
+              <a:t>2026-01-27</a:t>
             </a:fld>
             <a:endParaRPr lang="ko-KR" altLang="en-US"/>
           </a:p>
@@ -1167,7 +1169,7 @@
           <a:p>
             <a:fld id="{DF2A63DD-D2EB-4C3F-966A-60A2BDD38F7F}" type="datetimeFigureOut">
               <a:rPr lang="ko-KR" altLang="en-US" smtClean="0"/>
-              <a:t>2026-01-26</a:t>
+              <a:t>2026-01-27</a:t>
             </a:fld>
             <a:endParaRPr lang="ko-KR" altLang="en-US"/>
           </a:p>
@@ -1432,7 +1434,7 @@
           <a:p>
             <a:fld id="{DF2A63DD-D2EB-4C3F-966A-60A2BDD38F7F}" type="datetimeFigureOut">
               <a:rPr lang="ko-KR" altLang="en-US" smtClean="0"/>
-              <a:t>2026-01-26</a:t>
+              <a:t>2026-01-27</a:t>
             </a:fld>
             <a:endParaRPr lang="ko-KR" altLang="en-US"/>
           </a:p>
@@ -1844,7 +1846,7 @@
           <a:p>
             <a:fld id="{DF2A63DD-D2EB-4C3F-966A-60A2BDD38F7F}" type="datetimeFigureOut">
               <a:rPr lang="ko-KR" altLang="en-US" smtClean="0"/>
-              <a:t>2026-01-26</a:t>
+              <a:t>2026-01-27</a:t>
             </a:fld>
             <a:endParaRPr lang="ko-KR" altLang="en-US"/>
           </a:p>
@@ -1985,7 +1987,7 @@
           <a:p>
             <a:fld id="{DF2A63DD-D2EB-4C3F-966A-60A2BDD38F7F}" type="datetimeFigureOut">
               <a:rPr lang="ko-KR" altLang="en-US" smtClean="0"/>
-              <a:t>2026-01-26</a:t>
+              <a:t>2026-01-27</a:t>
             </a:fld>
             <a:endParaRPr lang="ko-KR" altLang="en-US"/>
           </a:p>
@@ -2098,7 +2100,7 @@
           <a:p>
             <a:fld id="{DF2A63DD-D2EB-4C3F-966A-60A2BDD38F7F}" type="datetimeFigureOut">
               <a:rPr lang="ko-KR" altLang="en-US" smtClean="0"/>
-              <a:t>2026-01-26</a:t>
+              <a:t>2026-01-27</a:t>
             </a:fld>
             <a:endParaRPr lang="ko-KR" altLang="en-US"/>
           </a:p>
@@ -2409,7 +2411,7 @@
           <a:p>
             <a:fld id="{DF2A63DD-D2EB-4C3F-966A-60A2BDD38F7F}" type="datetimeFigureOut">
               <a:rPr lang="ko-KR" altLang="en-US" smtClean="0"/>
-              <a:t>2026-01-26</a:t>
+              <a:t>2026-01-27</a:t>
             </a:fld>
             <a:endParaRPr lang="ko-KR" altLang="en-US"/>
           </a:p>
@@ -2697,7 +2699,7 @@
           <a:p>
             <a:fld id="{DF2A63DD-D2EB-4C3F-966A-60A2BDD38F7F}" type="datetimeFigureOut">
               <a:rPr lang="ko-KR" altLang="en-US" smtClean="0"/>
-              <a:t>2026-01-26</a:t>
+              <a:t>2026-01-27</a:t>
             </a:fld>
             <a:endParaRPr lang="ko-KR" altLang="en-US"/>
           </a:p>
@@ -2938,7 +2940,7 @@
           <a:p>
             <a:fld id="{DF2A63DD-D2EB-4C3F-966A-60A2BDD38F7F}" type="datetimeFigureOut">
               <a:rPr lang="ko-KR" altLang="en-US" smtClean="0"/>
-              <a:t>2026-01-26</a:t>
+              <a:t>2026-01-27</a:t>
             </a:fld>
             <a:endParaRPr lang="ko-KR" altLang="en-US"/>
           </a:p>
@@ -5344,7 +5346,7 @@
                   <a:schemeClr val="tx1"/>
                 </a:solidFill>
               </a:rPr>
-              <a:t>aicc-chat-backend</a:t>
+              <a:t>5. aicc-chat-backend</a:t>
             </a:r>
           </a:p>
           <a:p>
@@ -12154,10 +12156,1908 @@
           </a:fontRef>
         </p:style>
       </p:cxnSp>
+      <p:sp>
+        <p:nvSpPr>
+          <p:cNvPr id="6" name="직사각형 5">
+            <a:extLst>
+              <a:ext uri="{FF2B5EF4-FFF2-40B4-BE49-F238E27FC236}">
+                <a16:creationId xmlns:a16="http://schemas.microsoft.com/office/drawing/2014/main" id="{F533455E-0F0B-B104-8DD5-CA0B56CFBCB3}"/>
+              </a:ext>
+            </a:extLst>
+          </p:cNvPr>
+          <p:cNvSpPr/>
+          <p:nvPr/>
+        </p:nvSpPr>
+        <p:spPr>
+          <a:xfrm>
+            <a:off x="1977242" y="1425038"/>
+            <a:ext cx="1745672" cy="2161309"/>
+          </a:xfrm>
+          <a:prstGeom prst="rect">
+            <a:avLst/>
+          </a:prstGeom>
+          <a:noFill/>
+          <a:ln w="3175">
+            <a:solidFill>
+              <a:schemeClr val="bg1">
+                <a:lumMod val="75000"/>
+              </a:schemeClr>
+            </a:solidFill>
+          </a:ln>
+        </p:spPr>
+        <p:style>
+          <a:lnRef idx="2">
+            <a:schemeClr val="accent1">
+              <a:shade val="15000"/>
+            </a:schemeClr>
+          </a:lnRef>
+          <a:fillRef idx="1">
+            <a:schemeClr val="accent1"/>
+          </a:fillRef>
+          <a:effectRef idx="0">
+            <a:schemeClr val="accent1"/>
+          </a:effectRef>
+          <a:fontRef idx="minor">
+            <a:schemeClr val="lt1"/>
+          </a:fontRef>
+        </p:style>
+        <p:txBody>
+          <a:bodyPr lIns="36000" rIns="36000" rtlCol="0" anchor="ctr"/>
+          <a:lstStyle/>
+          <a:p>
+            <a:pPr algn="ctr"/>
+            <a:endParaRPr lang="ko-KR" altLang="en-US" sz="700">
+              <a:solidFill>
+                <a:schemeClr val="tx1"/>
+              </a:solidFill>
+            </a:endParaRPr>
+          </a:p>
+        </p:txBody>
+      </p:sp>
+      <p:sp>
+        <p:nvSpPr>
+          <p:cNvPr id="7" name="직사각형 6">
+            <a:extLst>
+              <a:ext uri="{FF2B5EF4-FFF2-40B4-BE49-F238E27FC236}">
+                <a16:creationId xmlns:a16="http://schemas.microsoft.com/office/drawing/2014/main" id="{7525ADE1-18E6-B0C4-AE54-C5C3B7503A3D}"/>
+              </a:ext>
+            </a:extLst>
+          </p:cNvPr>
+          <p:cNvSpPr/>
+          <p:nvPr/>
+        </p:nvSpPr>
+        <p:spPr>
+          <a:xfrm>
+            <a:off x="1972788" y="635650"/>
+            <a:ext cx="1688307" cy="92333"/>
+          </a:xfrm>
+          <a:prstGeom prst="rect">
+            <a:avLst/>
+          </a:prstGeom>
+          <a:noFill/>
+          <a:ln w="3175">
+            <a:noFill/>
+          </a:ln>
+        </p:spPr>
+        <p:style>
+          <a:lnRef idx="2">
+            <a:schemeClr val="accent1">
+              <a:shade val="15000"/>
+            </a:schemeClr>
+          </a:lnRef>
+          <a:fillRef idx="1">
+            <a:schemeClr val="accent1"/>
+          </a:fillRef>
+          <a:effectRef idx="0">
+            <a:schemeClr val="accent1"/>
+          </a:effectRef>
+          <a:fontRef idx="minor">
+            <a:schemeClr val="lt1"/>
+          </a:fontRef>
+        </p:style>
+        <p:txBody>
+          <a:bodyPr wrap="square" lIns="18000" tIns="0" rIns="18000" bIns="0" rtlCol="0" anchor="ctr">
+            <a:spAutoFit/>
+          </a:bodyPr>
+          <a:lstStyle/>
+          <a:p>
+            <a:r>
+              <a:rPr lang="en-US" altLang="ko-KR" sz="600">
+                <a:solidFill>
+                  <a:schemeClr val="tx1"/>
+                </a:solidFill>
+                <a:latin typeface="D2Coding" panose="020B0609020101020101" pitchFamily="49" charset="-127"/>
+                <a:ea typeface="D2Coding" panose="020B0609020101020101" pitchFamily="49" charset="-127"/>
+              </a:rPr>
+              <a:t>/frontend/chat-customer.html [</a:t>
+            </a:r>
+            <a:r>
+              <a:rPr lang="ko-KR" altLang="en-US" sz="600">
+                <a:solidFill>
+                  <a:schemeClr val="tx1"/>
+                </a:solidFill>
+                <a:latin typeface="D2Coding" panose="020B0609020101020101" pitchFamily="49" charset="-127"/>
+                <a:ea typeface="D2Coding" panose="020B0609020101020101" pitchFamily="49" charset="-127"/>
+              </a:rPr>
+              <a:t>고객</a:t>
+            </a:r>
+            <a:r>
+              <a:rPr lang="en-US" altLang="ko-KR" sz="600">
+                <a:solidFill>
+                  <a:schemeClr val="tx1"/>
+                </a:solidFill>
+                <a:latin typeface="D2Coding" panose="020B0609020101020101" pitchFamily="49" charset="-127"/>
+                <a:ea typeface="D2Coding" panose="020B0609020101020101" pitchFamily="49" charset="-127"/>
+              </a:rPr>
+              <a:t>]</a:t>
+            </a:r>
+            <a:endParaRPr lang="ko-KR" altLang="en-US" sz="600">
+              <a:solidFill>
+                <a:schemeClr val="tx1"/>
+              </a:solidFill>
+              <a:latin typeface="D2Coding" panose="020B0609020101020101" pitchFamily="49" charset="-127"/>
+              <a:ea typeface="D2Coding" panose="020B0609020101020101" pitchFamily="49" charset="-127"/>
+            </a:endParaRPr>
+          </a:p>
+        </p:txBody>
+      </p:sp>
+      <p:sp>
+        <p:nvSpPr>
+          <p:cNvPr id="16" name="직사각형 15">
+            <a:extLst>
+              <a:ext uri="{FF2B5EF4-FFF2-40B4-BE49-F238E27FC236}">
+                <a16:creationId xmlns:a16="http://schemas.microsoft.com/office/drawing/2014/main" id="{21BB5645-A029-FCE0-C1AA-295D02C84E94}"/>
+              </a:ext>
+            </a:extLst>
+          </p:cNvPr>
+          <p:cNvSpPr/>
+          <p:nvPr/>
+        </p:nvSpPr>
+        <p:spPr>
+          <a:xfrm>
+            <a:off x="2012155" y="804852"/>
+            <a:ext cx="1688307" cy="92333"/>
+          </a:xfrm>
+          <a:prstGeom prst="rect">
+            <a:avLst/>
+          </a:prstGeom>
+          <a:noFill/>
+          <a:ln w="3175">
+            <a:noFill/>
+          </a:ln>
+        </p:spPr>
+        <p:style>
+          <a:lnRef idx="2">
+            <a:schemeClr val="accent1">
+              <a:shade val="15000"/>
+            </a:schemeClr>
+          </a:lnRef>
+          <a:fillRef idx="1">
+            <a:schemeClr val="accent1"/>
+          </a:fillRef>
+          <a:effectRef idx="0">
+            <a:schemeClr val="accent1"/>
+          </a:effectRef>
+          <a:fontRef idx="minor">
+            <a:schemeClr val="lt1"/>
+          </a:fontRef>
+        </p:style>
+        <p:txBody>
+          <a:bodyPr wrap="square" lIns="18000" tIns="0" rIns="18000" bIns="0" rtlCol="0" anchor="ctr">
+            <a:spAutoFit/>
+          </a:bodyPr>
+          <a:lstStyle/>
+          <a:p>
+            <a:r>
+              <a:rPr lang="en-US" altLang="ko-KR" sz="600">
+                <a:solidFill>
+                  <a:schemeClr val="tx1"/>
+                </a:solidFill>
+                <a:latin typeface="D2Coding" panose="020B0609020101020101" pitchFamily="49" charset="-127"/>
+                <a:ea typeface="D2Coding" panose="020B0609020101020101" pitchFamily="49" charset="-127"/>
+              </a:rPr>
+              <a:t>/frontend/chat-agent.html [</a:t>
+            </a:r>
+            <a:r>
+              <a:rPr lang="ko-KR" altLang="en-US" sz="600">
+                <a:solidFill>
+                  <a:schemeClr val="tx1"/>
+                </a:solidFill>
+                <a:latin typeface="D2Coding" panose="020B0609020101020101" pitchFamily="49" charset="-127"/>
+                <a:ea typeface="D2Coding" panose="020B0609020101020101" pitchFamily="49" charset="-127"/>
+              </a:rPr>
+              <a:t>상담사</a:t>
+            </a:r>
+            <a:r>
+              <a:rPr lang="en-US" altLang="ko-KR" sz="600">
+                <a:solidFill>
+                  <a:schemeClr val="tx1"/>
+                </a:solidFill>
+                <a:latin typeface="D2Coding" panose="020B0609020101020101" pitchFamily="49" charset="-127"/>
+                <a:ea typeface="D2Coding" panose="020B0609020101020101" pitchFamily="49" charset="-127"/>
+              </a:rPr>
+              <a:t>]</a:t>
+            </a:r>
+            <a:endParaRPr lang="ko-KR" altLang="en-US" sz="600">
+              <a:solidFill>
+                <a:schemeClr val="tx1"/>
+              </a:solidFill>
+              <a:latin typeface="D2Coding" panose="020B0609020101020101" pitchFamily="49" charset="-127"/>
+              <a:ea typeface="D2Coding" panose="020B0609020101020101" pitchFamily="49" charset="-127"/>
+            </a:endParaRPr>
+          </a:p>
+        </p:txBody>
+      </p:sp>
+      <p:sp>
+        <p:nvSpPr>
+          <p:cNvPr id="17" name="직사각형 16">
+            <a:extLst>
+              <a:ext uri="{FF2B5EF4-FFF2-40B4-BE49-F238E27FC236}">
+                <a16:creationId xmlns:a16="http://schemas.microsoft.com/office/drawing/2014/main" id="{6257BA3F-D9AC-FC9F-1736-1CB8D4AF8C7E}"/>
+              </a:ext>
+            </a:extLst>
+          </p:cNvPr>
+          <p:cNvSpPr/>
+          <p:nvPr/>
+        </p:nvSpPr>
+        <p:spPr>
+          <a:xfrm>
+            <a:off x="4964000" y="809958"/>
+            <a:ext cx="539585" cy="92333"/>
+          </a:xfrm>
+          <a:prstGeom prst="rect">
+            <a:avLst/>
+          </a:prstGeom>
+          <a:noFill/>
+          <a:ln w="3175">
+            <a:noFill/>
+          </a:ln>
+        </p:spPr>
+        <p:style>
+          <a:lnRef idx="2">
+            <a:schemeClr val="accent1">
+              <a:shade val="15000"/>
+            </a:schemeClr>
+          </a:lnRef>
+          <a:fillRef idx="1">
+            <a:schemeClr val="accent1"/>
+          </a:fillRef>
+          <a:effectRef idx="0">
+            <a:schemeClr val="accent1"/>
+          </a:effectRef>
+          <a:fontRef idx="minor">
+            <a:schemeClr val="lt1"/>
+          </a:fontRef>
+        </p:style>
+        <p:txBody>
+          <a:bodyPr wrap="square" lIns="18000" tIns="0" rIns="18000" bIns="0" rtlCol="0" anchor="ctr">
+            <a:spAutoFit/>
+          </a:bodyPr>
+          <a:lstStyle/>
+          <a:p>
+            <a:r>
+              <a:rPr lang="en-US" altLang="ko-KR" sz="600">
+                <a:solidFill>
+                  <a:schemeClr val="tx1"/>
+                </a:solidFill>
+                <a:latin typeface="D2Coding" panose="020B0609020101020101" pitchFamily="49" charset="-127"/>
+                <a:ea typeface="D2Coding" panose="020B0609020101020101" pitchFamily="49" charset="-127"/>
+              </a:rPr>
+              <a:t>WebSocket</a:t>
+            </a:r>
+            <a:endParaRPr lang="ko-KR" altLang="en-US" sz="600">
+              <a:solidFill>
+                <a:schemeClr val="tx1"/>
+              </a:solidFill>
+              <a:latin typeface="D2Coding" panose="020B0609020101020101" pitchFamily="49" charset="-127"/>
+              <a:ea typeface="D2Coding" panose="020B0609020101020101" pitchFamily="49" charset="-127"/>
+            </a:endParaRPr>
+          </a:p>
+        </p:txBody>
+      </p:sp>
+      <p:sp>
+        <p:nvSpPr>
+          <p:cNvPr id="22" name="직사각형 21">
+            <a:extLst>
+              <a:ext uri="{FF2B5EF4-FFF2-40B4-BE49-F238E27FC236}">
+                <a16:creationId xmlns:a16="http://schemas.microsoft.com/office/drawing/2014/main" id="{F94BB61B-0F2B-DD6B-6530-9473725AFEE0}"/>
+              </a:ext>
+            </a:extLst>
+          </p:cNvPr>
+          <p:cNvSpPr/>
+          <p:nvPr/>
+        </p:nvSpPr>
+        <p:spPr>
+          <a:xfrm>
+            <a:off x="4964000" y="911510"/>
+            <a:ext cx="889113" cy="92333"/>
+          </a:xfrm>
+          <a:prstGeom prst="rect">
+            <a:avLst/>
+          </a:prstGeom>
+          <a:noFill/>
+          <a:ln w="3175">
+            <a:noFill/>
+          </a:ln>
+        </p:spPr>
+        <p:style>
+          <a:lnRef idx="2">
+            <a:schemeClr val="accent1">
+              <a:shade val="15000"/>
+            </a:schemeClr>
+          </a:lnRef>
+          <a:fillRef idx="1">
+            <a:schemeClr val="accent1"/>
+          </a:fillRef>
+          <a:effectRef idx="0">
+            <a:schemeClr val="accent1"/>
+          </a:effectRef>
+          <a:fontRef idx="minor">
+            <a:schemeClr val="lt1"/>
+          </a:fontRef>
+        </p:style>
+        <p:txBody>
+          <a:bodyPr wrap="square" lIns="18000" tIns="0" rIns="18000" bIns="0" rtlCol="0" anchor="ctr">
+            <a:spAutoFit/>
+          </a:bodyPr>
+          <a:lstStyle/>
+          <a:p>
+            <a:r>
+              <a:rPr lang="en-US" altLang="ko-KR" sz="600">
+                <a:solidFill>
+                  <a:schemeClr val="tx1"/>
+                </a:solidFill>
+                <a:latin typeface="D2Coding" panose="020B0609020101020101" pitchFamily="49" charset="-127"/>
+                <a:ea typeface="D2Coding" panose="020B0609020101020101" pitchFamily="49" charset="-127"/>
+              </a:rPr>
+              <a:t>STOMP over WebSocket</a:t>
+            </a:r>
+            <a:endParaRPr lang="ko-KR" altLang="en-US" sz="600">
+              <a:solidFill>
+                <a:schemeClr val="tx1"/>
+              </a:solidFill>
+              <a:latin typeface="D2Coding" panose="020B0609020101020101" pitchFamily="49" charset="-127"/>
+              <a:ea typeface="D2Coding" panose="020B0609020101020101" pitchFamily="49" charset="-127"/>
+            </a:endParaRPr>
+          </a:p>
+        </p:txBody>
+      </p:sp>
+      <p:sp>
+        <p:nvSpPr>
+          <p:cNvPr id="24" name="직사각형 23">
+            <a:extLst>
+              <a:ext uri="{FF2B5EF4-FFF2-40B4-BE49-F238E27FC236}">
+                <a16:creationId xmlns:a16="http://schemas.microsoft.com/office/drawing/2014/main" id="{88B1F347-6DCB-4C0D-D189-62C114C7ABDD}"/>
+              </a:ext>
+            </a:extLst>
+          </p:cNvPr>
+          <p:cNvSpPr/>
+          <p:nvPr/>
+        </p:nvSpPr>
+        <p:spPr>
+          <a:xfrm>
+            <a:off x="6199835" y="628983"/>
+            <a:ext cx="539585" cy="92333"/>
+          </a:xfrm>
+          <a:prstGeom prst="rect">
+            <a:avLst/>
+          </a:prstGeom>
+          <a:noFill/>
+          <a:ln w="3175">
+            <a:noFill/>
+          </a:ln>
+        </p:spPr>
+        <p:style>
+          <a:lnRef idx="2">
+            <a:schemeClr val="accent1">
+              <a:shade val="15000"/>
+            </a:schemeClr>
+          </a:lnRef>
+          <a:fillRef idx="1">
+            <a:schemeClr val="accent1"/>
+          </a:fillRef>
+          <a:effectRef idx="0">
+            <a:schemeClr val="accent1"/>
+          </a:effectRef>
+          <a:fontRef idx="minor">
+            <a:schemeClr val="lt1"/>
+          </a:fontRef>
+        </p:style>
+        <p:txBody>
+          <a:bodyPr wrap="square" lIns="18000" tIns="0" rIns="18000" bIns="0" rtlCol="0" anchor="ctr">
+            <a:spAutoFit/>
+          </a:bodyPr>
+          <a:lstStyle/>
+          <a:p>
+            <a:r>
+              <a:rPr lang="en-US" altLang="ko-KR" sz="600">
+                <a:solidFill>
+                  <a:schemeClr val="tx1"/>
+                </a:solidFill>
+                <a:latin typeface="D2Coding" panose="020B0609020101020101" pitchFamily="49" charset="-127"/>
+                <a:ea typeface="D2Coding" panose="020B0609020101020101" pitchFamily="49" charset="-127"/>
+              </a:rPr>
+              <a:t>WebSocket ws</a:t>
+            </a:r>
+            <a:endParaRPr lang="ko-KR" altLang="en-US" sz="600">
+              <a:solidFill>
+                <a:schemeClr val="tx1"/>
+              </a:solidFill>
+              <a:latin typeface="D2Coding" panose="020B0609020101020101" pitchFamily="49" charset="-127"/>
+              <a:ea typeface="D2Coding" panose="020B0609020101020101" pitchFamily="49" charset="-127"/>
+            </a:endParaRPr>
+          </a:p>
+        </p:txBody>
+      </p:sp>
+      <p:sp>
+        <p:nvSpPr>
+          <p:cNvPr id="25" name="직사각형 24">
+            <a:extLst>
+              <a:ext uri="{FF2B5EF4-FFF2-40B4-BE49-F238E27FC236}">
+                <a16:creationId xmlns:a16="http://schemas.microsoft.com/office/drawing/2014/main" id="{14601715-87DA-AC31-C8F5-0CBCF9CF11B6}"/>
+              </a:ext>
+            </a:extLst>
+          </p:cNvPr>
+          <p:cNvSpPr/>
+          <p:nvPr/>
+        </p:nvSpPr>
+        <p:spPr>
+          <a:xfrm>
+            <a:off x="6199835" y="702803"/>
+            <a:ext cx="539585" cy="92333"/>
+          </a:xfrm>
+          <a:prstGeom prst="rect">
+            <a:avLst/>
+          </a:prstGeom>
+          <a:noFill/>
+          <a:ln w="3175">
+            <a:noFill/>
+          </a:ln>
+        </p:spPr>
+        <p:style>
+          <a:lnRef idx="2">
+            <a:schemeClr val="accent1">
+              <a:shade val="15000"/>
+            </a:schemeClr>
+          </a:lnRef>
+          <a:fillRef idx="1">
+            <a:schemeClr val="accent1"/>
+          </a:fillRef>
+          <a:effectRef idx="0">
+            <a:schemeClr val="accent1"/>
+          </a:effectRef>
+          <a:fontRef idx="minor">
+            <a:schemeClr val="lt1"/>
+          </a:fontRef>
+        </p:style>
+        <p:txBody>
+          <a:bodyPr wrap="square" lIns="18000" tIns="0" rIns="18000" bIns="0" rtlCol="0" anchor="ctr">
+            <a:spAutoFit/>
+          </a:bodyPr>
+          <a:lstStyle/>
+          <a:p>
+            <a:r>
+              <a:rPr lang="en-US" altLang="ko-KR" sz="600">
+                <a:solidFill>
+                  <a:schemeClr val="tx1"/>
+                </a:solidFill>
+                <a:latin typeface="D2Coding" panose="020B0609020101020101" pitchFamily="49" charset="-127"/>
+                <a:ea typeface="D2Coding" panose="020B0609020101020101" pitchFamily="49" charset="-127"/>
+              </a:rPr>
+              <a:t>http</a:t>
+            </a:r>
+            <a:endParaRPr lang="ko-KR" altLang="en-US" sz="600">
+              <a:solidFill>
+                <a:schemeClr val="tx1"/>
+              </a:solidFill>
+              <a:latin typeface="D2Coding" panose="020B0609020101020101" pitchFamily="49" charset="-127"/>
+              <a:ea typeface="D2Coding" panose="020B0609020101020101" pitchFamily="49" charset="-127"/>
+            </a:endParaRPr>
+          </a:p>
+        </p:txBody>
+      </p:sp>
+      <p:sp>
+        <p:nvSpPr>
+          <p:cNvPr id="27" name="직사각형 26">
+            <a:extLst>
+              <a:ext uri="{FF2B5EF4-FFF2-40B4-BE49-F238E27FC236}">
+                <a16:creationId xmlns:a16="http://schemas.microsoft.com/office/drawing/2014/main" id="{42F8E8A6-FB02-EA4D-3E4A-4134090C2DF4}"/>
+              </a:ext>
+            </a:extLst>
+          </p:cNvPr>
+          <p:cNvSpPr/>
+          <p:nvPr/>
+        </p:nvSpPr>
+        <p:spPr>
+          <a:xfrm>
+            <a:off x="9406684" y="577977"/>
+            <a:ext cx="1024506" cy="158400"/>
+          </a:xfrm>
+          <a:prstGeom prst="rect">
+            <a:avLst/>
+          </a:prstGeom>
+          <a:noFill/>
+          <a:ln w="3175">
+            <a:solidFill>
+              <a:schemeClr val="bg1">
+                <a:lumMod val="75000"/>
+              </a:schemeClr>
+            </a:solidFill>
+          </a:ln>
+        </p:spPr>
+        <p:style>
+          <a:lnRef idx="2">
+            <a:schemeClr val="accent1">
+              <a:shade val="15000"/>
+            </a:schemeClr>
+          </a:lnRef>
+          <a:fillRef idx="1">
+            <a:schemeClr val="accent1"/>
+          </a:fillRef>
+          <a:effectRef idx="0">
+            <a:schemeClr val="accent1"/>
+          </a:effectRef>
+          <a:fontRef idx="minor">
+            <a:schemeClr val="lt1"/>
+          </a:fontRef>
+        </p:style>
+        <p:txBody>
+          <a:bodyPr wrap="square" lIns="36000" tIns="36000" rIns="36000" bIns="54000" rtlCol="0" anchor="t" anchorCtr="0">
+            <a:noAutofit/>
+          </a:bodyPr>
+          <a:lstStyle/>
+          <a:p>
+            <a:r>
+              <a:rPr lang="en-US" altLang="ko-KR" sz="500">
+                <a:solidFill>
+                  <a:schemeClr val="tx1"/>
+                </a:solidFill>
+              </a:rPr>
+              <a:t>1.AICC (FRONTEND)-</a:t>
+            </a:r>
+            <a:r>
+              <a:rPr lang="ko-KR" altLang="en-US" sz="500">
+                <a:solidFill>
+                  <a:schemeClr val="tx1"/>
+                </a:solidFill>
+              </a:rPr>
+              <a:t>고객</a:t>
+            </a:r>
+            <a:endParaRPr lang="en-US" altLang="ko-KR" sz="500">
+              <a:solidFill>
+                <a:schemeClr val="tx1"/>
+              </a:solidFill>
+            </a:endParaRPr>
+          </a:p>
+        </p:txBody>
+      </p:sp>
+      <p:sp>
+        <p:nvSpPr>
+          <p:cNvPr id="30" name="직사각형 29">
+            <a:extLst>
+              <a:ext uri="{FF2B5EF4-FFF2-40B4-BE49-F238E27FC236}">
+                <a16:creationId xmlns:a16="http://schemas.microsoft.com/office/drawing/2014/main" id="{10133F07-A277-D58F-B41A-7E06C7E1A7D0}"/>
+              </a:ext>
+            </a:extLst>
+          </p:cNvPr>
+          <p:cNvSpPr/>
+          <p:nvPr/>
+        </p:nvSpPr>
+        <p:spPr>
+          <a:xfrm>
+            <a:off x="9406684" y="1076298"/>
+            <a:ext cx="1024506" cy="158400"/>
+          </a:xfrm>
+          <a:prstGeom prst="rect">
+            <a:avLst/>
+          </a:prstGeom>
+          <a:noFill/>
+          <a:ln w="3175">
+            <a:solidFill>
+              <a:schemeClr val="bg1">
+                <a:lumMod val="75000"/>
+              </a:schemeClr>
+            </a:solidFill>
+          </a:ln>
+        </p:spPr>
+        <p:style>
+          <a:lnRef idx="2">
+            <a:schemeClr val="accent1">
+              <a:shade val="15000"/>
+            </a:schemeClr>
+          </a:lnRef>
+          <a:fillRef idx="1">
+            <a:schemeClr val="accent1"/>
+          </a:fillRef>
+          <a:effectRef idx="0">
+            <a:schemeClr val="accent1"/>
+          </a:effectRef>
+          <a:fontRef idx="minor">
+            <a:schemeClr val="lt1"/>
+          </a:fontRef>
+        </p:style>
+        <p:txBody>
+          <a:bodyPr wrap="square" lIns="36000" tIns="36000" rIns="36000" bIns="54000" rtlCol="0" anchor="t" anchorCtr="0">
+            <a:noAutofit/>
+          </a:bodyPr>
+          <a:lstStyle/>
+          <a:p>
+            <a:r>
+              <a:rPr lang="en-US" altLang="ko-KR" sz="500">
+                <a:solidFill>
+                  <a:schemeClr val="tx1"/>
+                </a:solidFill>
+              </a:rPr>
+              <a:t>3.AICC (BACKEND) - </a:t>
+            </a:r>
+            <a:r>
+              <a:rPr lang="ko-KR" altLang="en-US" sz="500">
+                <a:solidFill>
+                  <a:schemeClr val="tx1"/>
+                </a:solidFill>
+              </a:rPr>
+              <a:t>고객</a:t>
+            </a:r>
+            <a:endParaRPr lang="en-US" altLang="ko-KR" sz="500">
+              <a:solidFill>
+                <a:schemeClr val="tx1"/>
+              </a:solidFill>
+            </a:endParaRPr>
+          </a:p>
+        </p:txBody>
+      </p:sp>
+      <p:sp>
+        <p:nvSpPr>
+          <p:cNvPr id="31" name="직사각형 30">
+            <a:extLst>
+              <a:ext uri="{FF2B5EF4-FFF2-40B4-BE49-F238E27FC236}">
+                <a16:creationId xmlns:a16="http://schemas.microsoft.com/office/drawing/2014/main" id="{A189D89F-4C50-630E-B95F-F3EA1D38B599}"/>
+              </a:ext>
+            </a:extLst>
+          </p:cNvPr>
+          <p:cNvSpPr/>
+          <p:nvPr/>
+        </p:nvSpPr>
+        <p:spPr>
+          <a:xfrm>
+            <a:off x="10563540" y="577977"/>
+            <a:ext cx="633413" cy="158400"/>
+          </a:xfrm>
+          <a:prstGeom prst="rect">
+            <a:avLst/>
+          </a:prstGeom>
+          <a:noFill/>
+          <a:ln w="3175">
+            <a:solidFill>
+              <a:schemeClr val="bg1">
+                <a:lumMod val="75000"/>
+              </a:schemeClr>
+            </a:solidFill>
+          </a:ln>
+        </p:spPr>
+        <p:style>
+          <a:lnRef idx="2">
+            <a:schemeClr val="accent1">
+              <a:shade val="15000"/>
+            </a:schemeClr>
+          </a:lnRef>
+          <a:fillRef idx="1">
+            <a:schemeClr val="accent1"/>
+          </a:fillRef>
+          <a:effectRef idx="0">
+            <a:schemeClr val="accent1"/>
+          </a:effectRef>
+          <a:fontRef idx="minor">
+            <a:schemeClr val="lt1"/>
+          </a:fontRef>
+        </p:style>
+        <p:txBody>
+          <a:bodyPr wrap="square" lIns="36000" tIns="36000" rIns="36000" bIns="54000" rtlCol="0" anchor="t" anchorCtr="0">
+            <a:noAutofit/>
+          </a:bodyPr>
+          <a:lstStyle/>
+          <a:p>
+            <a:r>
+              <a:rPr lang="en-US" altLang="ko-KR" sz="700">
+                <a:solidFill>
+                  <a:schemeClr val="tx1"/>
+                </a:solidFill>
+              </a:rPr>
+              <a:t>Next.js</a:t>
+            </a:r>
+          </a:p>
+        </p:txBody>
+      </p:sp>
+      <p:sp>
+        <p:nvSpPr>
+          <p:cNvPr id="32" name="직사각형 31">
+            <a:extLst>
+              <a:ext uri="{FF2B5EF4-FFF2-40B4-BE49-F238E27FC236}">
+                <a16:creationId xmlns:a16="http://schemas.microsoft.com/office/drawing/2014/main" id="{5E345F31-01F5-7F5E-4E09-2F23B73B9517}"/>
+              </a:ext>
+            </a:extLst>
+          </p:cNvPr>
+          <p:cNvSpPr/>
+          <p:nvPr/>
+        </p:nvSpPr>
+        <p:spPr>
+          <a:xfrm>
+            <a:off x="10563540" y="1065477"/>
+            <a:ext cx="633413" cy="158400"/>
+          </a:xfrm>
+          <a:prstGeom prst="rect">
+            <a:avLst/>
+          </a:prstGeom>
+          <a:noFill/>
+          <a:ln w="3175">
+            <a:solidFill>
+              <a:schemeClr val="bg1">
+                <a:lumMod val="75000"/>
+              </a:schemeClr>
+            </a:solidFill>
+          </a:ln>
+        </p:spPr>
+        <p:style>
+          <a:lnRef idx="2">
+            <a:schemeClr val="accent1">
+              <a:shade val="15000"/>
+            </a:schemeClr>
+          </a:lnRef>
+          <a:fillRef idx="1">
+            <a:schemeClr val="accent1"/>
+          </a:fillRef>
+          <a:effectRef idx="0">
+            <a:schemeClr val="accent1"/>
+          </a:effectRef>
+          <a:fontRef idx="minor">
+            <a:schemeClr val="lt1"/>
+          </a:fontRef>
+        </p:style>
+        <p:txBody>
+          <a:bodyPr wrap="square" lIns="36000" tIns="36000" rIns="36000" bIns="54000" rtlCol="0" anchor="t" anchorCtr="0">
+            <a:noAutofit/>
+          </a:bodyPr>
+          <a:lstStyle/>
+          <a:p>
+            <a:r>
+              <a:rPr lang="en-US" altLang="ko-KR" sz="700">
+                <a:solidFill>
+                  <a:schemeClr val="tx1"/>
+                </a:solidFill>
+              </a:rPr>
+              <a:t>SpringBoot</a:t>
+            </a:r>
+          </a:p>
+        </p:txBody>
+      </p:sp>
+      <p:sp>
+        <p:nvSpPr>
+          <p:cNvPr id="33" name="직사각형 32">
+            <a:extLst>
+              <a:ext uri="{FF2B5EF4-FFF2-40B4-BE49-F238E27FC236}">
+                <a16:creationId xmlns:a16="http://schemas.microsoft.com/office/drawing/2014/main" id="{6A30AFF8-C6F9-13AF-F4B8-32995466A308}"/>
+              </a:ext>
+            </a:extLst>
+          </p:cNvPr>
+          <p:cNvSpPr/>
+          <p:nvPr/>
+        </p:nvSpPr>
+        <p:spPr>
+          <a:xfrm>
+            <a:off x="11258865" y="577977"/>
+            <a:ext cx="358904" cy="158400"/>
+          </a:xfrm>
+          <a:prstGeom prst="rect">
+            <a:avLst/>
+          </a:prstGeom>
+          <a:noFill/>
+          <a:ln w="3175">
+            <a:solidFill>
+              <a:schemeClr val="bg1">
+                <a:lumMod val="75000"/>
+              </a:schemeClr>
+            </a:solidFill>
+          </a:ln>
+        </p:spPr>
+        <p:style>
+          <a:lnRef idx="2">
+            <a:schemeClr val="accent1">
+              <a:shade val="15000"/>
+            </a:schemeClr>
+          </a:lnRef>
+          <a:fillRef idx="1">
+            <a:schemeClr val="accent1"/>
+          </a:fillRef>
+          <a:effectRef idx="0">
+            <a:schemeClr val="accent1"/>
+          </a:effectRef>
+          <a:fontRef idx="minor">
+            <a:schemeClr val="lt1"/>
+          </a:fontRef>
+        </p:style>
+        <p:txBody>
+          <a:bodyPr wrap="square" lIns="36000" tIns="36000" rIns="36000" bIns="54000" rtlCol="0" anchor="t" anchorCtr="0">
+            <a:noAutofit/>
+          </a:bodyPr>
+          <a:lstStyle/>
+          <a:p>
+            <a:r>
+              <a:rPr lang="en-US" altLang="ko-KR" sz="700">
+                <a:solidFill>
+                  <a:schemeClr val="tx1"/>
+                </a:solidFill>
+              </a:rPr>
+              <a:t>80</a:t>
+            </a:r>
+          </a:p>
+        </p:txBody>
+      </p:sp>
+      <p:sp>
+        <p:nvSpPr>
+          <p:cNvPr id="35" name="직사각형 34">
+            <a:extLst>
+              <a:ext uri="{FF2B5EF4-FFF2-40B4-BE49-F238E27FC236}">
+                <a16:creationId xmlns:a16="http://schemas.microsoft.com/office/drawing/2014/main" id="{3A8B6501-3113-B6AB-9B01-BF122E4BB16A}"/>
+              </a:ext>
+            </a:extLst>
+          </p:cNvPr>
+          <p:cNvSpPr/>
+          <p:nvPr/>
+        </p:nvSpPr>
+        <p:spPr>
+          <a:xfrm>
+            <a:off x="9397585" y="325565"/>
+            <a:ext cx="633413" cy="158400"/>
+          </a:xfrm>
+          <a:prstGeom prst="rect">
+            <a:avLst/>
+          </a:prstGeom>
+          <a:noFill/>
+          <a:ln w="3175">
+            <a:solidFill>
+              <a:schemeClr val="bg1">
+                <a:lumMod val="75000"/>
+              </a:schemeClr>
+            </a:solidFill>
+          </a:ln>
+        </p:spPr>
+        <p:style>
+          <a:lnRef idx="2">
+            <a:schemeClr val="accent1">
+              <a:shade val="15000"/>
+            </a:schemeClr>
+          </a:lnRef>
+          <a:fillRef idx="1">
+            <a:schemeClr val="accent1"/>
+          </a:fillRef>
+          <a:effectRef idx="0">
+            <a:schemeClr val="accent1"/>
+          </a:effectRef>
+          <a:fontRef idx="minor">
+            <a:schemeClr val="lt1"/>
+          </a:fontRef>
+        </p:style>
+        <p:txBody>
+          <a:bodyPr wrap="square" lIns="36000" tIns="36000" rIns="36000" bIns="54000" rtlCol="0" anchor="t" anchorCtr="0">
+            <a:noAutofit/>
+          </a:bodyPr>
+          <a:lstStyle/>
+          <a:p>
+            <a:r>
+              <a:rPr lang="en-US" altLang="ko-KR" sz="700">
+                <a:solidFill>
+                  <a:schemeClr val="tx1"/>
+                </a:solidFill>
+              </a:rPr>
+              <a:t>0.NGINX</a:t>
+            </a:r>
+          </a:p>
+        </p:txBody>
+      </p:sp>
+      <p:cxnSp>
+        <p:nvCxnSpPr>
+          <p:cNvPr id="42" name="직선 화살표 연결선 41">
+            <a:extLst>
+              <a:ext uri="{FF2B5EF4-FFF2-40B4-BE49-F238E27FC236}">
+                <a16:creationId xmlns:a16="http://schemas.microsoft.com/office/drawing/2014/main" id="{4AD176A5-234B-2647-525C-79A31D85C83B}"/>
+              </a:ext>
+            </a:extLst>
+          </p:cNvPr>
+          <p:cNvCxnSpPr>
+            <a:cxnSpLocks/>
+          </p:cNvCxnSpPr>
+          <p:nvPr/>
+        </p:nvCxnSpPr>
+        <p:spPr>
+          <a:xfrm>
+            <a:off x="11393932" y="728755"/>
+            <a:ext cx="0" cy="339725"/>
+          </a:xfrm>
+          <a:prstGeom prst="straightConnector1">
+            <a:avLst/>
+          </a:prstGeom>
+          <a:ln>
+            <a:tailEnd type="triangle"/>
+          </a:ln>
+        </p:spPr>
+        <p:style>
+          <a:lnRef idx="1">
+            <a:schemeClr val="accent1"/>
+          </a:lnRef>
+          <a:fillRef idx="0">
+            <a:schemeClr val="accent1"/>
+          </a:fillRef>
+          <a:effectRef idx="0">
+            <a:schemeClr val="accent1"/>
+          </a:effectRef>
+          <a:fontRef idx="minor">
+            <a:schemeClr val="tx1"/>
+          </a:fontRef>
+        </p:style>
+      </p:cxnSp>
+      <p:sp>
+        <p:nvSpPr>
+          <p:cNvPr id="43" name="직사각형 42">
+            <a:extLst>
+              <a:ext uri="{FF2B5EF4-FFF2-40B4-BE49-F238E27FC236}">
+                <a16:creationId xmlns:a16="http://schemas.microsoft.com/office/drawing/2014/main" id="{75DC51B8-A059-1BF9-61D7-E6FB3500F024}"/>
+              </a:ext>
+            </a:extLst>
+          </p:cNvPr>
+          <p:cNvSpPr/>
+          <p:nvPr/>
+        </p:nvSpPr>
+        <p:spPr>
+          <a:xfrm>
+            <a:off x="11258865" y="1070239"/>
+            <a:ext cx="358904" cy="158400"/>
+          </a:xfrm>
+          <a:prstGeom prst="rect">
+            <a:avLst/>
+          </a:prstGeom>
+          <a:noFill/>
+          <a:ln w="3175">
+            <a:solidFill>
+              <a:schemeClr val="bg1">
+                <a:lumMod val="75000"/>
+              </a:schemeClr>
+            </a:solidFill>
+          </a:ln>
+        </p:spPr>
+        <p:style>
+          <a:lnRef idx="2">
+            <a:schemeClr val="accent1">
+              <a:shade val="15000"/>
+            </a:schemeClr>
+          </a:lnRef>
+          <a:fillRef idx="1">
+            <a:schemeClr val="accent1"/>
+          </a:fillRef>
+          <a:effectRef idx="0">
+            <a:schemeClr val="accent1"/>
+          </a:effectRef>
+          <a:fontRef idx="minor">
+            <a:schemeClr val="lt1"/>
+          </a:fontRef>
+        </p:style>
+        <p:txBody>
+          <a:bodyPr wrap="square" lIns="36000" tIns="36000" rIns="36000" bIns="54000" rtlCol="0" anchor="t" anchorCtr="0">
+            <a:noAutofit/>
+          </a:bodyPr>
+          <a:lstStyle/>
+          <a:p>
+            <a:r>
+              <a:rPr lang="en-US" altLang="ko-KR" sz="700">
+                <a:solidFill>
+                  <a:schemeClr val="tx1"/>
+                </a:solidFill>
+              </a:rPr>
+              <a:t>8080</a:t>
+            </a:r>
+          </a:p>
+        </p:txBody>
+      </p:sp>
+      <p:sp>
+        <p:nvSpPr>
+          <p:cNvPr id="51" name="직사각형 50">
+            <a:extLst>
+              <a:ext uri="{FF2B5EF4-FFF2-40B4-BE49-F238E27FC236}">
+                <a16:creationId xmlns:a16="http://schemas.microsoft.com/office/drawing/2014/main" id="{8AE3B7D8-C2DC-D6EC-7923-42172FF6449A}"/>
+              </a:ext>
+            </a:extLst>
+          </p:cNvPr>
+          <p:cNvSpPr/>
+          <p:nvPr/>
+        </p:nvSpPr>
+        <p:spPr>
+          <a:xfrm>
+            <a:off x="8982672" y="785102"/>
+            <a:ext cx="396000" cy="76944"/>
+          </a:xfrm>
+          <a:prstGeom prst="rect">
+            <a:avLst/>
+          </a:prstGeom>
+          <a:noFill/>
+          <a:ln w="3175">
+            <a:noFill/>
+          </a:ln>
+        </p:spPr>
+        <p:style>
+          <a:lnRef idx="2">
+            <a:schemeClr val="accent1">
+              <a:shade val="15000"/>
+            </a:schemeClr>
+          </a:lnRef>
+          <a:fillRef idx="1">
+            <a:schemeClr val="accent1"/>
+          </a:fillRef>
+          <a:effectRef idx="0">
+            <a:schemeClr val="accent1"/>
+          </a:effectRef>
+          <a:fontRef idx="minor">
+            <a:schemeClr val="lt1"/>
+          </a:fontRef>
+        </p:style>
+        <p:txBody>
+          <a:bodyPr wrap="square" lIns="18000" tIns="0" rIns="18000" bIns="0" rtlCol="0" anchor="ctr">
+            <a:spAutoFit/>
+          </a:bodyPr>
+          <a:lstStyle/>
+          <a:p>
+            <a:r>
+              <a:rPr lang="ko-KR" altLang="en-US" sz="500">
+                <a:solidFill>
+                  <a:schemeClr val="tx1"/>
+                </a:solidFill>
+                <a:latin typeface="D2Coding" panose="020B0609020101020101" pitchFamily="49" charset="-127"/>
+                <a:ea typeface="D2Coding" panose="020B0609020101020101" pitchFamily="49" charset="-127"/>
+              </a:rPr>
+              <a:t>상담사</a:t>
+            </a:r>
+            <a:r>
+              <a:rPr lang="en-US" altLang="ko-KR" sz="500">
+                <a:solidFill>
+                  <a:schemeClr val="tx1"/>
+                </a:solidFill>
+                <a:latin typeface="D2Coding" panose="020B0609020101020101" pitchFamily="49" charset="-127"/>
+                <a:ea typeface="D2Coding" panose="020B0609020101020101" pitchFamily="49" charset="-127"/>
+              </a:rPr>
+              <a:t>.html</a:t>
+            </a:r>
+            <a:endParaRPr lang="ko-KR" altLang="en-US" sz="500">
+              <a:solidFill>
+                <a:schemeClr val="tx1"/>
+              </a:solidFill>
+              <a:latin typeface="D2Coding" panose="020B0609020101020101" pitchFamily="49" charset="-127"/>
+              <a:ea typeface="D2Coding" panose="020B0609020101020101" pitchFamily="49" charset="-127"/>
+            </a:endParaRPr>
+          </a:p>
+        </p:txBody>
+      </p:sp>
+      <p:sp>
+        <p:nvSpPr>
+          <p:cNvPr id="52" name="직사각형 51">
+            <a:extLst>
+              <a:ext uri="{FF2B5EF4-FFF2-40B4-BE49-F238E27FC236}">
+                <a16:creationId xmlns:a16="http://schemas.microsoft.com/office/drawing/2014/main" id="{782A19F2-C145-2B4B-2042-591B1C21A566}"/>
+              </a:ext>
+            </a:extLst>
+          </p:cNvPr>
+          <p:cNvSpPr/>
+          <p:nvPr/>
+        </p:nvSpPr>
+        <p:spPr>
+          <a:xfrm>
+            <a:off x="7787997" y="436288"/>
+            <a:ext cx="396000" cy="76944"/>
+          </a:xfrm>
+          <a:prstGeom prst="rect">
+            <a:avLst/>
+          </a:prstGeom>
+          <a:noFill/>
+          <a:ln w="3175">
+            <a:noFill/>
+          </a:ln>
+        </p:spPr>
+        <p:style>
+          <a:lnRef idx="2">
+            <a:schemeClr val="accent1">
+              <a:shade val="15000"/>
+            </a:schemeClr>
+          </a:lnRef>
+          <a:fillRef idx="1">
+            <a:schemeClr val="accent1"/>
+          </a:fillRef>
+          <a:effectRef idx="0">
+            <a:schemeClr val="accent1"/>
+          </a:effectRef>
+          <a:fontRef idx="minor">
+            <a:schemeClr val="lt1"/>
+          </a:fontRef>
+        </p:style>
+        <p:txBody>
+          <a:bodyPr wrap="square" lIns="18000" tIns="0" rIns="18000" bIns="0" rtlCol="0" anchor="ctr">
+            <a:spAutoFit/>
+          </a:bodyPr>
+          <a:lstStyle/>
+          <a:p>
+            <a:r>
+              <a:rPr lang="ko-KR" altLang="en-US" sz="500">
+                <a:solidFill>
+                  <a:schemeClr val="tx1"/>
+                </a:solidFill>
+                <a:latin typeface="D2Coding" panose="020B0609020101020101" pitchFamily="49" charset="-127"/>
+                <a:ea typeface="D2Coding" panose="020B0609020101020101" pitchFamily="49" charset="-127"/>
+              </a:rPr>
+              <a:t>고객</a:t>
+            </a:r>
+            <a:r>
+              <a:rPr lang="en-US" altLang="ko-KR" sz="500">
+                <a:solidFill>
+                  <a:schemeClr val="tx1"/>
+                </a:solidFill>
+                <a:latin typeface="D2Coding" panose="020B0609020101020101" pitchFamily="49" charset="-127"/>
+                <a:ea typeface="D2Coding" panose="020B0609020101020101" pitchFamily="49" charset="-127"/>
+              </a:rPr>
+              <a:t>.html</a:t>
+            </a:r>
+            <a:endParaRPr lang="ko-KR" altLang="en-US" sz="500">
+              <a:solidFill>
+                <a:schemeClr val="tx1"/>
+              </a:solidFill>
+              <a:latin typeface="D2Coding" panose="020B0609020101020101" pitchFamily="49" charset="-127"/>
+              <a:ea typeface="D2Coding" panose="020B0609020101020101" pitchFamily="49" charset="-127"/>
+            </a:endParaRPr>
+          </a:p>
+        </p:txBody>
+      </p:sp>
+      <p:sp>
+        <p:nvSpPr>
+          <p:cNvPr id="53" name="직사각형 52">
+            <a:extLst>
+              <a:ext uri="{FF2B5EF4-FFF2-40B4-BE49-F238E27FC236}">
+                <a16:creationId xmlns:a16="http://schemas.microsoft.com/office/drawing/2014/main" id="{1455647B-B05D-06ED-0C7A-0F09759703F6}"/>
+              </a:ext>
+            </a:extLst>
+          </p:cNvPr>
+          <p:cNvSpPr/>
+          <p:nvPr/>
+        </p:nvSpPr>
+        <p:spPr>
+          <a:xfrm>
+            <a:off x="9406684" y="736377"/>
+            <a:ext cx="1024506" cy="158400"/>
+          </a:xfrm>
+          <a:prstGeom prst="rect">
+            <a:avLst/>
+          </a:prstGeom>
+          <a:noFill/>
+          <a:ln w="3175">
+            <a:solidFill>
+              <a:schemeClr val="bg1">
+                <a:lumMod val="75000"/>
+              </a:schemeClr>
+            </a:solidFill>
+          </a:ln>
+        </p:spPr>
+        <p:style>
+          <a:lnRef idx="2">
+            <a:schemeClr val="accent1">
+              <a:shade val="15000"/>
+            </a:schemeClr>
+          </a:lnRef>
+          <a:fillRef idx="1">
+            <a:schemeClr val="accent1"/>
+          </a:fillRef>
+          <a:effectRef idx="0">
+            <a:schemeClr val="accent1"/>
+          </a:effectRef>
+          <a:fontRef idx="minor">
+            <a:schemeClr val="lt1"/>
+          </a:fontRef>
+        </p:style>
+        <p:txBody>
+          <a:bodyPr wrap="square" lIns="36000" tIns="36000" rIns="36000" bIns="54000" rtlCol="0" anchor="t" anchorCtr="0">
+            <a:noAutofit/>
+          </a:bodyPr>
+          <a:lstStyle/>
+          <a:p>
+            <a:r>
+              <a:rPr lang="en-US" altLang="ko-KR" sz="500">
+                <a:solidFill>
+                  <a:schemeClr val="tx1"/>
+                </a:solidFill>
+              </a:rPr>
+              <a:t>2.AICC (FRONTEND)-</a:t>
+            </a:r>
+            <a:r>
+              <a:rPr lang="ko-KR" altLang="en-US" sz="500">
+                <a:solidFill>
+                  <a:schemeClr val="tx1"/>
+                </a:solidFill>
+              </a:rPr>
+              <a:t>상담사</a:t>
+            </a:r>
+            <a:endParaRPr lang="en-US" altLang="ko-KR" sz="500">
+              <a:solidFill>
+                <a:schemeClr val="tx1"/>
+              </a:solidFill>
+            </a:endParaRPr>
+          </a:p>
+        </p:txBody>
+      </p:sp>
+      <p:sp>
+        <p:nvSpPr>
+          <p:cNvPr id="56" name="직사각형 55">
+            <a:extLst>
+              <a:ext uri="{FF2B5EF4-FFF2-40B4-BE49-F238E27FC236}">
+                <a16:creationId xmlns:a16="http://schemas.microsoft.com/office/drawing/2014/main" id="{1CF374B6-11BF-8540-D3F7-A5692AFA9FFD}"/>
+              </a:ext>
+            </a:extLst>
+          </p:cNvPr>
+          <p:cNvSpPr/>
+          <p:nvPr/>
+        </p:nvSpPr>
+        <p:spPr>
+          <a:xfrm>
+            <a:off x="9406684" y="1244002"/>
+            <a:ext cx="1024506" cy="158400"/>
+          </a:xfrm>
+          <a:prstGeom prst="rect">
+            <a:avLst/>
+          </a:prstGeom>
+          <a:noFill/>
+          <a:ln w="3175">
+            <a:solidFill>
+              <a:schemeClr val="bg1">
+                <a:lumMod val="75000"/>
+              </a:schemeClr>
+            </a:solidFill>
+          </a:ln>
+        </p:spPr>
+        <p:style>
+          <a:lnRef idx="2">
+            <a:schemeClr val="accent1">
+              <a:shade val="15000"/>
+            </a:schemeClr>
+          </a:lnRef>
+          <a:fillRef idx="1">
+            <a:schemeClr val="accent1"/>
+          </a:fillRef>
+          <a:effectRef idx="0">
+            <a:schemeClr val="accent1"/>
+          </a:effectRef>
+          <a:fontRef idx="minor">
+            <a:schemeClr val="lt1"/>
+          </a:fontRef>
+        </p:style>
+        <p:txBody>
+          <a:bodyPr wrap="square" lIns="36000" tIns="36000" rIns="36000" bIns="54000" rtlCol="0" anchor="t" anchorCtr="0">
+            <a:noAutofit/>
+          </a:bodyPr>
+          <a:lstStyle/>
+          <a:p>
+            <a:r>
+              <a:rPr lang="en-US" altLang="ko-KR" sz="500">
+                <a:solidFill>
+                  <a:schemeClr val="tx1"/>
+                </a:solidFill>
+              </a:rPr>
+              <a:t>4.AICC (BACKEND) - </a:t>
+            </a:r>
+            <a:r>
+              <a:rPr lang="ko-KR" altLang="en-US" sz="500">
+                <a:solidFill>
+                  <a:schemeClr val="tx1"/>
+                </a:solidFill>
+              </a:rPr>
+              <a:t>상담사</a:t>
+            </a:r>
+            <a:endParaRPr lang="en-US" altLang="ko-KR" sz="500">
+              <a:solidFill>
+                <a:schemeClr val="tx1"/>
+              </a:solidFill>
+            </a:endParaRPr>
+          </a:p>
+        </p:txBody>
+      </p:sp>
+      <p:sp>
+        <p:nvSpPr>
+          <p:cNvPr id="57" name="직사각형 56">
+            <a:extLst>
+              <a:ext uri="{FF2B5EF4-FFF2-40B4-BE49-F238E27FC236}">
+                <a16:creationId xmlns:a16="http://schemas.microsoft.com/office/drawing/2014/main" id="{F3BE02E9-AFD7-1FE6-E3B2-3520E9827EFE}"/>
+              </a:ext>
+            </a:extLst>
+          </p:cNvPr>
+          <p:cNvSpPr/>
+          <p:nvPr/>
+        </p:nvSpPr>
+        <p:spPr>
+          <a:xfrm>
+            <a:off x="7998280" y="1173261"/>
+            <a:ext cx="629253" cy="153888"/>
+          </a:xfrm>
+          <a:prstGeom prst="rect">
+            <a:avLst/>
+          </a:prstGeom>
+          <a:noFill/>
+          <a:ln w="3175">
+            <a:noFill/>
+          </a:ln>
+        </p:spPr>
+        <p:style>
+          <a:lnRef idx="2">
+            <a:schemeClr val="accent1">
+              <a:shade val="15000"/>
+            </a:schemeClr>
+          </a:lnRef>
+          <a:fillRef idx="1">
+            <a:schemeClr val="accent1"/>
+          </a:fillRef>
+          <a:effectRef idx="0">
+            <a:schemeClr val="accent1"/>
+          </a:effectRef>
+          <a:fontRef idx="minor">
+            <a:schemeClr val="lt1"/>
+          </a:fontRef>
+        </p:style>
+        <p:txBody>
+          <a:bodyPr wrap="square" lIns="18000" tIns="0" rIns="18000" bIns="0" rtlCol="0" anchor="ctr">
+            <a:spAutoFit/>
+          </a:bodyPr>
+          <a:lstStyle/>
+          <a:p>
+            <a:r>
+              <a:rPr lang="ko-KR" altLang="en-US" sz="500">
+                <a:solidFill>
+                  <a:schemeClr val="tx1"/>
+                </a:solidFill>
+                <a:latin typeface="D2Coding" panose="020B0609020101020101" pitchFamily="49" charset="-127"/>
+                <a:ea typeface="D2Coding" panose="020B0609020101020101" pitchFamily="49" charset="-127"/>
+              </a:rPr>
+              <a:t>웹소켓 </a:t>
+            </a:r>
+            <a:r>
+              <a:rPr lang="en-US" altLang="ko-KR" sz="500">
+                <a:solidFill>
+                  <a:schemeClr val="tx1"/>
+                </a:solidFill>
+                <a:latin typeface="D2Coding" panose="020B0609020101020101" pitchFamily="49" charset="-127"/>
+                <a:ea typeface="D2Coding" panose="020B0609020101020101" pitchFamily="49" charset="-127"/>
+              </a:rPr>
+              <a:t>(/ws-chat)</a:t>
+            </a:r>
+          </a:p>
+          <a:p>
+            <a:r>
+              <a:rPr lang="en-US" altLang="ko-KR" sz="500">
+                <a:solidFill>
+                  <a:schemeClr val="tx1"/>
+                </a:solidFill>
+                <a:latin typeface="D2Coding" panose="020B0609020101020101" pitchFamily="49" charset="-127"/>
+                <a:ea typeface="D2Coding" panose="020B0609020101020101" pitchFamily="49" charset="-127"/>
+              </a:rPr>
+              <a:t>http://.../ws-chat</a:t>
+            </a:r>
+            <a:endParaRPr lang="ko-KR" altLang="en-US" sz="500">
+              <a:solidFill>
+                <a:schemeClr val="tx1"/>
+              </a:solidFill>
+              <a:latin typeface="D2Coding" panose="020B0609020101020101" pitchFamily="49" charset="-127"/>
+              <a:ea typeface="D2Coding" panose="020B0609020101020101" pitchFamily="49" charset="-127"/>
+            </a:endParaRPr>
+          </a:p>
+        </p:txBody>
+      </p:sp>
+      <p:cxnSp>
+        <p:nvCxnSpPr>
+          <p:cNvPr id="62" name="연결선: 구부러짐 61">
+            <a:extLst>
+              <a:ext uri="{FF2B5EF4-FFF2-40B4-BE49-F238E27FC236}">
+                <a16:creationId xmlns:a16="http://schemas.microsoft.com/office/drawing/2014/main" id="{CFFA365F-CB69-86C2-832F-0887D0C16059}"/>
+              </a:ext>
+            </a:extLst>
+          </p:cNvPr>
+          <p:cNvCxnSpPr>
+            <a:cxnSpLocks/>
+            <a:stCxn id="41" idx="2"/>
+            <a:endCxn id="35" idx="1"/>
+          </p:cNvCxnSpPr>
+          <p:nvPr/>
+        </p:nvCxnSpPr>
+        <p:spPr>
+          <a:xfrm rot="5400000" flipH="1" flipV="1">
+            <a:off x="8473586" y="-16542"/>
+            <a:ext cx="502691" cy="1345305"/>
+          </a:xfrm>
+          <a:prstGeom prst="curvedConnector4">
+            <a:avLst>
+              <a:gd name="adj1" fmla="val -45475"/>
+              <a:gd name="adj2" fmla="val 59659"/>
+            </a:avLst>
+          </a:prstGeom>
+          <a:ln>
+            <a:tailEnd type="triangle"/>
+          </a:ln>
+        </p:spPr>
+        <p:style>
+          <a:lnRef idx="1">
+            <a:schemeClr val="accent1"/>
+          </a:lnRef>
+          <a:fillRef idx="0">
+            <a:schemeClr val="accent1"/>
+          </a:fillRef>
+          <a:effectRef idx="0">
+            <a:schemeClr val="accent1"/>
+          </a:effectRef>
+          <a:fontRef idx="minor">
+            <a:schemeClr val="tx1"/>
+          </a:fontRef>
+        </p:style>
+      </p:cxnSp>
+      <p:sp>
+        <p:nvSpPr>
+          <p:cNvPr id="70" name="직사각형 69">
+            <a:extLst>
+              <a:ext uri="{FF2B5EF4-FFF2-40B4-BE49-F238E27FC236}">
+                <a16:creationId xmlns:a16="http://schemas.microsoft.com/office/drawing/2014/main" id="{4CA74F53-0FC0-23C1-3C67-9F6BED6F596D}"/>
+              </a:ext>
+            </a:extLst>
+          </p:cNvPr>
+          <p:cNvSpPr/>
+          <p:nvPr/>
+        </p:nvSpPr>
+        <p:spPr>
+          <a:xfrm>
+            <a:off x="9352907" y="1022858"/>
+            <a:ext cx="2334712" cy="423447"/>
+          </a:xfrm>
+          <a:prstGeom prst="rect">
+            <a:avLst/>
+          </a:prstGeom>
+          <a:noFill/>
+          <a:ln w="3175">
+            <a:solidFill>
+              <a:schemeClr val="bg1">
+                <a:lumMod val="75000"/>
+              </a:schemeClr>
+            </a:solidFill>
+          </a:ln>
+        </p:spPr>
+        <p:style>
+          <a:lnRef idx="2">
+            <a:schemeClr val="accent1">
+              <a:shade val="15000"/>
+            </a:schemeClr>
+          </a:lnRef>
+          <a:fillRef idx="1">
+            <a:schemeClr val="accent1"/>
+          </a:fillRef>
+          <a:effectRef idx="0">
+            <a:schemeClr val="accent1"/>
+          </a:effectRef>
+          <a:fontRef idx="minor">
+            <a:schemeClr val="lt1"/>
+          </a:fontRef>
+        </p:style>
+        <p:txBody>
+          <a:bodyPr lIns="36000" rIns="36000" rtlCol="0" anchor="ctr"/>
+          <a:lstStyle/>
+          <a:p>
+            <a:pPr algn="ctr"/>
+            <a:endParaRPr lang="ko-KR" altLang="en-US" sz="700">
+              <a:solidFill>
+                <a:schemeClr val="tx1"/>
+              </a:solidFill>
+            </a:endParaRPr>
+          </a:p>
+        </p:txBody>
+      </p:sp>
+      <p:sp>
+        <p:nvSpPr>
+          <p:cNvPr id="41" name="직사각형 40">
+            <a:extLst>
+              <a:ext uri="{FF2B5EF4-FFF2-40B4-BE49-F238E27FC236}">
+                <a16:creationId xmlns:a16="http://schemas.microsoft.com/office/drawing/2014/main" id="{03EEC5E6-4675-DBB4-1CF6-5DF102B050D9}"/>
+              </a:ext>
+            </a:extLst>
+          </p:cNvPr>
+          <p:cNvSpPr/>
+          <p:nvPr/>
+        </p:nvSpPr>
+        <p:spPr>
+          <a:xfrm>
+            <a:off x="7792405" y="510896"/>
+            <a:ext cx="519749" cy="396560"/>
+          </a:xfrm>
+          <a:prstGeom prst="rect">
+            <a:avLst/>
+          </a:prstGeom>
+          <a:noFill/>
+          <a:ln w="3175">
+            <a:solidFill>
+              <a:schemeClr val="bg1">
+                <a:lumMod val="75000"/>
+              </a:schemeClr>
+            </a:solidFill>
+          </a:ln>
+        </p:spPr>
+        <p:style>
+          <a:lnRef idx="2">
+            <a:schemeClr val="accent1">
+              <a:shade val="15000"/>
+            </a:schemeClr>
+          </a:lnRef>
+          <a:fillRef idx="1">
+            <a:schemeClr val="accent1"/>
+          </a:fillRef>
+          <a:effectRef idx="0">
+            <a:schemeClr val="accent1"/>
+          </a:effectRef>
+          <a:fontRef idx="minor">
+            <a:schemeClr val="lt1"/>
+          </a:fontRef>
+        </p:style>
+        <p:txBody>
+          <a:bodyPr wrap="square" lIns="36000" tIns="36000" rIns="36000" bIns="54000" rtlCol="0" anchor="t" anchorCtr="0">
+            <a:noAutofit/>
+          </a:bodyPr>
+          <a:lstStyle/>
+          <a:p>
+            <a:r>
+              <a:rPr lang="en-US" altLang="ko-KR" sz="700">
+                <a:solidFill>
+                  <a:schemeClr val="tx1"/>
+                </a:solidFill>
+              </a:rPr>
+              <a:t>edge</a:t>
+            </a:r>
+          </a:p>
+        </p:txBody>
+      </p:sp>
+      <p:sp>
+        <p:nvSpPr>
+          <p:cNvPr id="59" name="직사각형 58">
+            <a:extLst>
+              <a:ext uri="{FF2B5EF4-FFF2-40B4-BE49-F238E27FC236}">
+                <a16:creationId xmlns:a16="http://schemas.microsoft.com/office/drawing/2014/main" id="{06932FF8-2484-1927-CEAB-200D3D91C383}"/>
+              </a:ext>
+            </a:extLst>
+          </p:cNvPr>
+          <p:cNvSpPr/>
+          <p:nvPr/>
+        </p:nvSpPr>
+        <p:spPr>
+          <a:xfrm>
+            <a:off x="7814997" y="785102"/>
+            <a:ext cx="396000" cy="76944"/>
+          </a:xfrm>
+          <a:prstGeom prst="rect">
+            <a:avLst/>
+          </a:prstGeom>
+          <a:noFill/>
+          <a:ln w="3175">
+            <a:noFill/>
+          </a:ln>
+        </p:spPr>
+        <p:style>
+          <a:lnRef idx="2">
+            <a:schemeClr val="accent1">
+              <a:shade val="15000"/>
+            </a:schemeClr>
+          </a:lnRef>
+          <a:fillRef idx="1">
+            <a:schemeClr val="accent1"/>
+          </a:fillRef>
+          <a:effectRef idx="0">
+            <a:schemeClr val="accent1"/>
+          </a:effectRef>
+          <a:fontRef idx="minor">
+            <a:schemeClr val="lt1"/>
+          </a:fontRef>
+        </p:style>
+        <p:txBody>
+          <a:bodyPr wrap="square" lIns="18000" tIns="0" rIns="18000" bIns="0" rtlCol="0" anchor="ctr">
+            <a:spAutoFit/>
+          </a:bodyPr>
+          <a:lstStyle/>
+          <a:p>
+            <a:r>
+              <a:rPr lang="ko-KR" altLang="en-US" sz="500">
+                <a:solidFill>
+                  <a:schemeClr val="tx1"/>
+                </a:solidFill>
+                <a:latin typeface="D2Coding" panose="020B0609020101020101" pitchFamily="49" charset="-127"/>
+                <a:ea typeface="D2Coding" panose="020B0609020101020101" pitchFamily="49" charset="-127"/>
+              </a:rPr>
+              <a:t>접속</a:t>
+            </a:r>
+            <a:r>
+              <a:rPr lang="en-US" altLang="ko-KR" sz="500">
+                <a:solidFill>
+                  <a:schemeClr val="tx1"/>
+                </a:solidFill>
+                <a:latin typeface="D2Coding" panose="020B0609020101020101" pitchFamily="49" charset="-127"/>
+                <a:ea typeface="D2Coding" panose="020B0609020101020101" pitchFamily="49" charset="-127"/>
+              </a:rPr>
+              <a:t>/</a:t>
+            </a:r>
+            <a:r>
+              <a:rPr lang="ko-KR" altLang="en-US" sz="500">
+                <a:solidFill>
+                  <a:schemeClr val="tx1"/>
+                </a:solidFill>
+                <a:latin typeface="D2Coding" panose="020B0609020101020101" pitchFamily="49" charset="-127"/>
+                <a:ea typeface="D2Coding" panose="020B0609020101020101" pitchFamily="49" charset="-127"/>
+              </a:rPr>
+              <a:t>이벤트</a:t>
+            </a:r>
+          </a:p>
+        </p:txBody>
+      </p:sp>
+      <p:sp>
+        <p:nvSpPr>
+          <p:cNvPr id="75" name="TextBox 74">
+            <a:extLst>
+              <a:ext uri="{FF2B5EF4-FFF2-40B4-BE49-F238E27FC236}">
+                <a16:creationId xmlns:a16="http://schemas.microsoft.com/office/drawing/2014/main" id="{84A3700F-1295-4BB8-E331-8A34CC681E4E}"/>
+              </a:ext>
+            </a:extLst>
+          </p:cNvPr>
+          <p:cNvSpPr txBox="1"/>
+          <p:nvPr/>
+        </p:nvSpPr>
+        <p:spPr>
+          <a:xfrm>
+            <a:off x="3150286" y="-19214"/>
+            <a:ext cx="4632437" cy="523220"/>
+          </a:xfrm>
+          <a:prstGeom prst="rect">
+            <a:avLst/>
+          </a:prstGeom>
+          <a:noFill/>
+        </p:spPr>
+        <p:txBody>
+          <a:bodyPr wrap="square">
+            <a:spAutoFit/>
+          </a:bodyPr>
+          <a:lstStyle/>
+          <a:p>
+            <a:r>
+              <a:rPr lang="ko-KR" altLang="en-US" sz="700">
+                <a:latin typeface="D2Coding" panose="020B0609020101020101" pitchFamily="49" charset="-127"/>
+                <a:ea typeface="D2Coding" panose="020B0609020101020101" pitchFamily="49" charset="-127"/>
+              </a:rPr>
+              <a:t>http://localhost:28070/frontend/chat-customer.html </a:t>
+            </a:r>
+            <a:r>
+              <a:rPr lang="en-US" altLang="ko-KR" sz="700">
+                <a:latin typeface="D2Coding" panose="020B0609020101020101" pitchFamily="49" charset="-127"/>
+                <a:ea typeface="D2Coding" panose="020B0609020101020101" pitchFamily="49" charset="-127"/>
+              </a:rPr>
+              <a:t>(ui)</a:t>
+            </a:r>
+          </a:p>
+          <a:p>
+            <a:r>
+              <a:rPr lang="en-US" altLang="ko-KR" sz="700">
+                <a:latin typeface="D2Coding" panose="020B0609020101020101" pitchFamily="49" charset="-127"/>
+                <a:ea typeface="D2Coding" panose="020B0609020101020101" pitchFamily="49" charset="-127"/>
+              </a:rPr>
+              <a:t>http://localhost:28070/api/me (api)</a:t>
+            </a:r>
+          </a:p>
+          <a:p>
+            <a:r>
+              <a:rPr lang="en-US" altLang="ko-KR" sz="700">
+                <a:latin typeface="D2Coding" panose="020B0609020101020101" pitchFamily="49" charset="-127"/>
+                <a:ea typeface="D2Coding" panose="020B0609020101020101" pitchFamily="49" charset="-127"/>
+              </a:rPr>
+              <a:t>http://localhost:28070/ws-chat/info?token=eyJn0=&amp;roomId=roomid&amp;t=17690 (stomp)     </a:t>
+            </a:r>
+          </a:p>
+          <a:p>
+            <a:r>
+              <a:rPr lang="en-US" altLang="ko-KR" sz="700">
+                <a:latin typeface="D2Coding" panose="020B0609020101020101" pitchFamily="49" charset="-127"/>
+                <a:ea typeface="D2Coding" panose="020B0609020101020101" pitchFamily="49" charset="-127"/>
+              </a:rPr>
+              <a:t>ws://localhost:28070/ws-chat/641/fwznlidm/websocket?token=e&amp;roomId=rfa1 (websocke)</a:t>
+            </a:r>
+            <a:endParaRPr lang="ko-KR" altLang="en-US" sz="700">
+              <a:latin typeface="D2Coding" panose="020B0609020101020101" pitchFamily="49" charset="-127"/>
+              <a:ea typeface="D2Coding" panose="020B0609020101020101" pitchFamily="49" charset="-127"/>
+            </a:endParaRPr>
+          </a:p>
+        </p:txBody>
+      </p:sp>
+      <p:sp>
+        <p:nvSpPr>
+          <p:cNvPr id="77" name="TextBox 76">
+            <a:extLst>
+              <a:ext uri="{FF2B5EF4-FFF2-40B4-BE49-F238E27FC236}">
+                <a16:creationId xmlns:a16="http://schemas.microsoft.com/office/drawing/2014/main" id="{DD1CB403-7876-FD98-E8D6-573D4DF1B5EC}"/>
+              </a:ext>
+            </a:extLst>
+          </p:cNvPr>
+          <p:cNvSpPr txBox="1"/>
+          <p:nvPr/>
+        </p:nvSpPr>
+        <p:spPr>
+          <a:xfrm>
+            <a:off x="6961060" y="-19214"/>
+            <a:ext cx="2274714" cy="523220"/>
+          </a:xfrm>
+          <a:prstGeom prst="rect">
+            <a:avLst/>
+          </a:prstGeom>
+          <a:noFill/>
+        </p:spPr>
+        <p:txBody>
+          <a:bodyPr wrap="square">
+            <a:spAutoFit/>
+          </a:bodyPr>
+          <a:lstStyle/>
+          <a:p>
+            <a:r>
+              <a:rPr lang="en-US" altLang="ko-KR" sz="700">
+                <a:latin typeface="D2Coding" panose="020B0609020101020101" pitchFamily="49" charset="-127"/>
+                <a:ea typeface="D2Coding" panose="020B0609020101020101" pitchFamily="49" charset="-127"/>
+              </a:rPr>
+              <a:t>[ 0-&gt;1 ]</a:t>
+            </a:r>
+          </a:p>
+          <a:p>
+            <a:r>
+              <a:rPr lang="en-US" altLang="ko-KR" sz="700">
+                <a:latin typeface="D2Coding" panose="020B0609020101020101" pitchFamily="49" charset="-127"/>
+                <a:ea typeface="D2Coding" panose="020B0609020101020101" pitchFamily="49" charset="-127"/>
+              </a:rPr>
+              <a:t>[ 0-&gt;5 ? ]</a:t>
+            </a:r>
+          </a:p>
+          <a:p>
+            <a:r>
+              <a:rPr lang="en-US" altLang="ko-KR" sz="700">
+                <a:latin typeface="D2Coding" panose="020B0609020101020101" pitchFamily="49" charset="-127"/>
+                <a:ea typeface="D2Coding" panose="020B0609020101020101" pitchFamily="49" charset="-127"/>
+              </a:rPr>
+              <a:t>[ 0-&gt;5</a:t>
+            </a:r>
+          </a:p>
+          <a:p>
+            <a:r>
+              <a:rPr lang="en-US" altLang="ko-KR" sz="700">
+                <a:latin typeface="D2Coding" panose="020B0609020101020101" pitchFamily="49" charset="-127"/>
+                <a:ea typeface="D2Coding" panose="020B0609020101020101" pitchFamily="49" charset="-127"/>
+              </a:rPr>
+              <a:t>[ 0 -&gt; 5 </a:t>
+            </a:r>
+            <a:endParaRPr lang="ko-KR" altLang="en-US" sz="700">
+              <a:latin typeface="D2Coding" panose="020B0609020101020101" pitchFamily="49" charset="-127"/>
+              <a:ea typeface="D2Coding" panose="020B0609020101020101" pitchFamily="49" charset="-127"/>
+            </a:endParaRPr>
+          </a:p>
+        </p:txBody>
+      </p:sp>
+      <p:cxnSp>
+        <p:nvCxnSpPr>
+          <p:cNvPr id="80" name="연결선: 구부러짐 79">
+            <a:extLst>
+              <a:ext uri="{FF2B5EF4-FFF2-40B4-BE49-F238E27FC236}">
+                <a16:creationId xmlns:a16="http://schemas.microsoft.com/office/drawing/2014/main" id="{1633DF1E-A6DA-1C1A-EFA7-4ADE034C25AF}"/>
+              </a:ext>
+            </a:extLst>
+          </p:cNvPr>
+          <p:cNvCxnSpPr>
+            <a:stCxn id="70" idx="1"/>
+          </p:cNvCxnSpPr>
+          <p:nvPr/>
+        </p:nvCxnSpPr>
+        <p:spPr>
+          <a:xfrm rot="10800000" flipV="1">
+            <a:off x="8281989" y="1234582"/>
+            <a:ext cx="1070919" cy="815914"/>
+          </a:xfrm>
+          <a:prstGeom prst="curvedConnector3">
+            <a:avLst/>
+          </a:prstGeom>
+          <a:ln>
+            <a:tailEnd type="triangle"/>
+          </a:ln>
+        </p:spPr>
+        <p:style>
+          <a:lnRef idx="1">
+            <a:schemeClr val="accent1"/>
+          </a:lnRef>
+          <a:fillRef idx="0">
+            <a:schemeClr val="accent1"/>
+          </a:fillRef>
+          <a:effectRef idx="0">
+            <a:schemeClr val="accent1"/>
+          </a:effectRef>
+          <a:fontRef idx="minor">
+            <a:schemeClr val="tx1"/>
+          </a:fontRef>
+        </p:style>
+      </p:cxnSp>
+      <p:sp>
+        <p:nvSpPr>
+          <p:cNvPr id="87" name="순서도: 자기 디스크 86">
+            <a:extLst>
+              <a:ext uri="{FF2B5EF4-FFF2-40B4-BE49-F238E27FC236}">
+                <a16:creationId xmlns:a16="http://schemas.microsoft.com/office/drawing/2014/main" id="{7A56F87E-0619-F265-39FA-8183ED13B9F6}"/>
+              </a:ext>
+            </a:extLst>
+          </p:cNvPr>
+          <p:cNvSpPr/>
+          <p:nvPr/>
+        </p:nvSpPr>
+        <p:spPr>
+          <a:xfrm>
+            <a:off x="5909001" y="3984237"/>
+            <a:ext cx="1028137" cy="466928"/>
+          </a:xfrm>
+          <a:prstGeom prst="flowChartMagneticDisk">
+            <a:avLst/>
+          </a:prstGeom>
+          <a:noFill/>
+          <a:ln w="3175">
+            <a:solidFill>
+              <a:schemeClr val="bg1">
+                <a:lumMod val="75000"/>
+              </a:schemeClr>
+            </a:solidFill>
+          </a:ln>
+        </p:spPr>
+        <p:style>
+          <a:lnRef idx="2">
+            <a:schemeClr val="accent1">
+              <a:shade val="15000"/>
+            </a:schemeClr>
+          </a:lnRef>
+          <a:fillRef idx="1">
+            <a:schemeClr val="accent1"/>
+          </a:fillRef>
+          <a:effectRef idx="0">
+            <a:schemeClr val="accent1"/>
+          </a:effectRef>
+          <a:fontRef idx="minor">
+            <a:schemeClr val="lt1"/>
+          </a:fontRef>
+        </p:style>
+        <p:txBody>
+          <a:bodyPr lIns="36000" tIns="54000" rIns="36000" bIns="0" rtlCol="0" anchor="ctr" anchorCtr="0"/>
+          <a:lstStyle/>
+          <a:p>
+            <a:pPr algn="ctr"/>
+            <a:r>
+              <a:rPr lang="en-US" altLang="ko-KR" sz="700">
+                <a:solidFill>
+                  <a:schemeClr val="tx1"/>
+                </a:solidFill>
+              </a:rPr>
+              <a:t>PostgreSQL</a:t>
+            </a:r>
+          </a:p>
+          <a:p>
+            <a:pPr algn="ctr"/>
+            <a:r>
+              <a:rPr lang="ko-KR" altLang="en-US" sz="700">
+                <a:solidFill>
+                  <a:schemeClr val="tx1"/>
+                </a:solidFill>
+              </a:rPr>
+              <a:t>이력</a:t>
+            </a:r>
+          </a:p>
+        </p:txBody>
+      </p:sp>
     </p:spTree>
     <p:extLst>
       <p:ext uri="{BB962C8B-B14F-4D97-AF65-F5344CB8AC3E}">
-        <p14:creationId xmlns:p14="http://schemas.microsoft.com/office/powerpoint/2010/main" val="1519142866"/>
+        <p14:creationId xmlns:p14="http://schemas.microsoft.com/office/powerpoint/2010/main" val="1736961194"/>
       </p:ext>
     </p:extLst>
   </p:cSld>
@@ -23417,6 +25317,142 @@
           <p:cNvPr id="4" name="직사각형 3">
             <a:extLst>
               <a:ext uri="{FF2B5EF4-FFF2-40B4-BE49-F238E27FC236}">
+                <a16:creationId xmlns:a16="http://schemas.microsoft.com/office/drawing/2014/main" id="{B5500800-D74F-46EA-3B9A-5D30BF76585C}"/>
+              </a:ext>
+            </a:extLst>
+          </p:cNvPr>
+          <p:cNvSpPr/>
+          <p:nvPr/>
+        </p:nvSpPr>
+        <p:spPr>
+          <a:xfrm>
+            <a:off x="985931" y="696040"/>
+            <a:ext cx="4726100" cy="411257"/>
+          </a:xfrm>
+          <a:prstGeom prst="rect">
+            <a:avLst/>
+          </a:prstGeom>
+          <a:noFill/>
+          <a:ln w="3175">
+            <a:noFill/>
+          </a:ln>
+        </p:spPr>
+        <p:style>
+          <a:lnRef idx="2">
+            <a:schemeClr val="accent1">
+              <a:shade val="15000"/>
+            </a:schemeClr>
+          </a:lnRef>
+          <a:fillRef idx="1">
+            <a:schemeClr val="accent1"/>
+          </a:fillRef>
+          <a:effectRef idx="0">
+            <a:schemeClr val="accent1"/>
+          </a:effectRef>
+          <a:fontRef idx="minor">
+            <a:schemeClr val="lt1"/>
+          </a:fontRef>
+        </p:style>
+        <p:txBody>
+          <a:bodyPr wrap="square" lIns="36000" tIns="36000" rIns="36000" bIns="36000" rtlCol="0" anchor="ctr">
+            <a:spAutoFit/>
+          </a:bodyPr>
+          <a:lstStyle/>
+          <a:p>
+            <a:r>
+              <a:rPr lang="ko-KR" altLang="en-US" sz="1100">
+                <a:solidFill>
+                  <a:schemeClr val="tx1"/>
+                </a:solidFill>
+                <a:latin typeface="+mj-ea"/>
+                <a:ea typeface="+mj-ea"/>
+              </a:rPr>
+              <a:t>로그인한 상담사 수</a:t>
+            </a:r>
+            <a:endParaRPr lang="en-US" altLang="ko-KR" sz="1100">
+              <a:solidFill>
+                <a:schemeClr val="tx1"/>
+              </a:solidFill>
+              <a:latin typeface="+mj-ea"/>
+              <a:ea typeface="+mj-ea"/>
+            </a:endParaRPr>
+          </a:p>
+          <a:p>
+            <a:r>
+              <a:rPr lang="en-US" altLang="ko-KR" sz="1100">
+                <a:solidFill>
+                  <a:schemeClr val="tx1"/>
+                </a:solidFill>
+                <a:latin typeface="+mj-ea"/>
+                <a:ea typeface="+mj-ea"/>
+              </a:rPr>
+              <a:t>   - </a:t>
+            </a:r>
+            <a:r>
+              <a:rPr lang="ko-KR" altLang="en-US" sz="1100">
+                <a:solidFill>
+                  <a:schemeClr val="tx1"/>
+                </a:solidFill>
+                <a:latin typeface="+mj-ea"/>
+                <a:ea typeface="+mj-ea"/>
+              </a:rPr>
+              <a:t>웹소켓에 연결한 상담사로 체크할까</a:t>
+            </a:r>
+            <a:r>
+              <a:rPr lang="en-US" altLang="ko-KR" sz="1100">
+                <a:solidFill>
+                  <a:schemeClr val="tx1"/>
+                </a:solidFill>
+                <a:latin typeface="+mj-ea"/>
+                <a:ea typeface="+mj-ea"/>
+              </a:rPr>
+              <a:t>?</a:t>
+            </a:r>
+            <a:endParaRPr lang="ko-KR" altLang="en-US" sz="1100">
+              <a:solidFill>
+                <a:schemeClr val="tx1"/>
+              </a:solidFill>
+              <a:latin typeface="+mj-ea"/>
+              <a:ea typeface="+mj-ea"/>
+            </a:endParaRPr>
+          </a:p>
+        </p:txBody>
+      </p:sp>
+    </p:spTree>
+    <p:extLst>
+      <p:ext uri="{BB962C8B-B14F-4D97-AF65-F5344CB8AC3E}">
+        <p14:creationId xmlns:p14="http://schemas.microsoft.com/office/powerpoint/2010/main" val="2072572516"/>
+      </p:ext>
+    </p:extLst>
+  </p:cSld>
+  <p:clrMapOvr>
+    <a:masterClrMapping/>
+  </p:clrMapOvr>
+</p:sld>
+</file>
+
+<file path=ppt/slides/slide7.xml><?xml version="1.0" encoding="utf-8"?>
+<p:sld xmlns:a="http://schemas.openxmlformats.org/drawingml/2006/main" xmlns:r="http://schemas.openxmlformats.org/officeDocument/2006/relationships" xmlns:p="http://schemas.openxmlformats.org/presentationml/2006/main">
+  <p:cSld>
+    <p:spTree>
+      <p:nvGrpSpPr>
+        <p:cNvPr id="1" name=""/>
+        <p:cNvGrpSpPr/>
+        <p:nvPr/>
+      </p:nvGrpSpPr>
+      <p:grpSpPr>
+        <a:xfrm>
+          <a:off x="0" y="0"/>
+          <a:ext cx="0" cy="0"/>
+          <a:chOff x="0" y="0"/>
+          <a:chExt cx="0" cy="0"/>
+        </a:xfrm>
+      </p:grpSpPr>
+      <p:sp>
+        <p:nvSpPr>
+          <p:cNvPr id="4" name="직사각형 3">
+            <a:extLst>
+              <a:ext uri="{FF2B5EF4-FFF2-40B4-BE49-F238E27FC236}">
                 <a16:creationId xmlns:a16="http://schemas.microsoft.com/office/drawing/2014/main" id="{DB80B182-4E89-F09A-FC6B-E5FC0293D3D9}"/>
               </a:ext>
             </a:extLst>
@@ -25446,7 +27482,7 @@
 </p:sld>
 </file>
 
-<file path=ppt/slides/slide7.xml><?xml version="1.0" encoding="utf-8"?>
+<file path=ppt/slides/slide8.xml><?xml version="1.0" encoding="utf-8"?>
 <p:sld xmlns:a="http://schemas.openxmlformats.org/drawingml/2006/main" xmlns:r="http://schemas.openxmlformats.org/officeDocument/2006/relationships" xmlns:p="http://schemas.openxmlformats.org/presentationml/2006/main">
   <p:cSld>
     <p:spTree>
